--- a/Doc/Approfondissement1.pptx
+++ b/Doc/Approfondissement1.pptx
@@ -6,11 +6,12 @@
   </p:sldMasterIdLst>
   <p:sldIdLst>
     <p:sldId id="257" r:id="rId5"/>
-    <p:sldId id="258" r:id="rId6"/>
-    <p:sldId id="259" r:id="rId7"/>
-    <p:sldId id="260" r:id="rId8"/>
-    <p:sldId id="261" r:id="rId9"/>
-    <p:sldId id="262" r:id="rId10"/>
+    <p:sldId id="263" r:id="rId6"/>
+    <p:sldId id="258" r:id="rId7"/>
+    <p:sldId id="259" r:id="rId8"/>
+    <p:sldId id="260" r:id="rId9"/>
+    <p:sldId id="261" r:id="rId10"/>
+    <p:sldId id="262" r:id="rId11"/>
   </p:sldIdLst>
   <p:sldSz cx="12192000" cy="6858000"/>
   <p:notesSz cx="6858000" cy="9144000"/>
@@ -4217,14 +4218,6 @@
 <file path=ppt/slides/slide2.xml><?xml version="1.0" encoding="utf-8"?>
 <p:sld xmlns:a="http://schemas.openxmlformats.org/drawingml/2006/main" xmlns:r="http://schemas.openxmlformats.org/officeDocument/2006/relationships" xmlns:p="http://schemas.openxmlformats.org/presentationml/2006/main">
   <p:cSld>
-    <p:bg>
-      <p:bgPr>
-        <a:solidFill>
-          <a:schemeClr val="bg1"/>
-        </a:solidFill>
-        <a:effectLst/>
-      </p:bgPr>
-    </p:bg>
     <p:spTree>
       <p:nvGrpSpPr>
         <p:cNvPr id="1" name=""/>
@@ -4239,72 +4232,12 @@
           <a:chExt cx="0" cy="0"/>
         </a:xfrm>
       </p:grpSpPr>
-      <p:sp useBgFill="1">
-        <p:nvSpPr>
-          <p:cNvPr id="75" name="Rectangle 74">
-            <a:extLst>
-              <a:ext uri="{FF2B5EF4-FFF2-40B4-BE49-F238E27FC236}">
-                <a16:creationId xmlns:a16="http://schemas.microsoft.com/office/drawing/2014/main" id="{504BED40-EAF7-4E55-AFF7-2CD840EBD3AA}"/>
-              </a:ext>
-              <a:ext uri="{C183D7F6-B498-43B3-948B-1728B52AA6E4}">
-                <adec:decorative xmlns:adec="http://schemas.microsoft.com/office/drawing/2017/decorative" val="1"/>
-              </a:ext>
-            </a:extLst>
-          </p:cNvPr>
-          <p:cNvSpPr>
-            <a:spLocks noGrp="1" noRot="1" noChangeAspect="1" noMove="1" noResize="1" noEditPoints="1" noAdjustHandles="1" noChangeArrowheads="1" noChangeShapeType="1" noTextEdit="1"/>
-          </p:cNvSpPr>
-          <p:nvPr>
-            <p:extLst>
-              <p:ext uri="{386F3935-93C4-4BCD-93E2-E3B085C9AB24}">
-                <p16:designElem xmlns:p16="http://schemas.microsoft.com/office/powerpoint/2015/main" val="1"/>
-              </p:ext>
-            </p:extLst>
-          </p:nvPr>
-        </p:nvSpPr>
-        <p:spPr>
-          <a:xfrm>
-            <a:off x="0" y="0"/>
-            <a:ext cx="12192000" cy="6858000"/>
-          </a:xfrm>
-          <a:prstGeom prst="rect">
-            <a:avLst/>
-          </a:prstGeom>
-          <a:ln>
-            <a:noFill/>
-          </a:ln>
-        </p:spPr>
-        <p:style>
-          <a:lnRef idx="2">
-            <a:schemeClr val="accent1">
-              <a:shade val="50000"/>
-            </a:schemeClr>
-          </a:lnRef>
-          <a:fillRef idx="1">
-            <a:schemeClr val="accent1"/>
-          </a:fillRef>
-          <a:effectRef idx="0">
-            <a:schemeClr val="accent1"/>
-          </a:effectRef>
-          <a:fontRef idx="minor">
-            <a:schemeClr val="lt1"/>
-          </a:fontRef>
-        </p:style>
-        <p:txBody>
-          <a:bodyPr rtlCol="0" anchor="ctr"/>
-          <a:lstStyle/>
-          <a:p>
-            <a:pPr algn="ctr"/>
-            <a:endParaRPr lang="en-US"/>
-          </a:p>
-        </p:txBody>
-      </p:sp>
       <p:sp>
         <p:nvSpPr>
           <p:cNvPr id="2" name="Title 1">
             <a:extLst>
               <a:ext uri="{FF2B5EF4-FFF2-40B4-BE49-F238E27FC236}">
-                <a16:creationId xmlns:a16="http://schemas.microsoft.com/office/drawing/2014/main" id="{5E562972-3449-42D1-8185-B4BEFD52AB44}"/>
+                <a16:creationId xmlns:a16="http://schemas.microsoft.com/office/drawing/2014/main" id="{2B797AB8-ED14-456F-863C-C90DEA6987C5}"/>
               </a:ext>
             </a:extLst>
           </p:cNvPr>
@@ -4313,295 +4246,76 @@
           </p:cNvSpPr>
           <p:nvPr>
             <p:ph type="title"/>
-            <p:custDataLst>
-              <p:tags r:id="rId1"/>
-            </p:custDataLst>
-          </p:nvPr>
-        </p:nvSpPr>
-        <p:spPr>
-          <a:xfrm>
-            <a:off x="581193" y="702156"/>
-            <a:ext cx="6540462" cy="1013800"/>
-          </a:xfrm>
-        </p:spPr>
-        <p:txBody>
-          <a:bodyPr>
-            <a:normAutofit/>
-          </a:bodyPr>
+          </p:nvPr>
+        </p:nvSpPr>
+        <p:spPr/>
+        <p:txBody>
+          <a:bodyPr/>
           <a:lstStyle/>
           <a:p>
             <a:r>
-              <a:rPr lang="fr-CA">
-                <a:solidFill>
-                  <a:schemeClr val="tx2"/>
-                </a:solidFill>
-              </a:rPr>
-              <a:t>Qu’est-ce</a:t>
-            </a:r>
-            <a:r>
-              <a:rPr lang="en-US">
-                <a:solidFill>
-                  <a:schemeClr val="tx2"/>
-                </a:solidFill>
-              </a:rPr>
-              <a:t> que vue.js</a:t>
-            </a:r>
-          </a:p>
-        </p:txBody>
-      </p:sp>
-      <p:sp>
-        <p:nvSpPr>
-          <p:cNvPr id="77" name="Rectangle 76">
+              <a:rPr lang="fr-CA" dirty="0"/>
+              <a:t>Plan de la présentation</a:t>
+            </a:r>
+          </a:p>
+        </p:txBody>
+      </p:sp>
+      <p:sp>
+        <p:nvSpPr>
+          <p:cNvPr id="3" name="Content Placeholder 2">
             <a:extLst>
               <a:ext uri="{FF2B5EF4-FFF2-40B4-BE49-F238E27FC236}">
-                <a16:creationId xmlns:a16="http://schemas.microsoft.com/office/drawing/2014/main" id="{F367CCF1-BB1E-41CF-8499-94A870C33EFA}"/>
-              </a:ext>
-              <a:ext uri="{C183D7F6-B498-43B3-948B-1728B52AA6E4}">
-                <adec:decorative xmlns:adec="http://schemas.microsoft.com/office/drawing/2017/decorative" val="1"/>
+                <a16:creationId xmlns:a16="http://schemas.microsoft.com/office/drawing/2014/main" id="{75D66779-3D31-4A94-814F-E93A0F4B698A}"/>
               </a:ext>
             </a:extLst>
           </p:cNvPr>
           <p:cNvSpPr>
-            <a:spLocks noGrp="1" noRot="1" noChangeAspect="1" noMove="1" noResize="1" noEditPoints="1" noAdjustHandles="1" noChangeArrowheads="1" noChangeShapeType="1" noTextEdit="1"/>
-          </p:cNvSpPr>
-          <p:nvPr>
-            <p:extLst>
-              <p:ext uri="{386F3935-93C4-4BCD-93E2-E3B085C9AB24}">
-                <p16:designElem xmlns:p16="http://schemas.microsoft.com/office/powerpoint/2015/main" val="1"/>
-              </p:ext>
-            </p:extLst>
-          </p:nvPr>
-        </p:nvSpPr>
-        <p:spPr>
-          <a:xfrm>
-            <a:off x="446534" y="457200"/>
-            <a:ext cx="6675120" cy="94997"/>
-          </a:xfrm>
-          <a:prstGeom prst="rect">
-            <a:avLst/>
-          </a:prstGeom>
-          <a:solidFill>
-            <a:schemeClr val="accent1"/>
-          </a:solidFill>
-          <a:ln>
-            <a:noFill/>
-          </a:ln>
-          <a:effectLst/>
-        </p:spPr>
-        <p:style>
-          <a:lnRef idx="1">
-            <a:schemeClr val="accent1"/>
-          </a:lnRef>
-          <a:fillRef idx="3">
-            <a:schemeClr val="accent1"/>
-          </a:fillRef>
-          <a:effectRef idx="2">
-            <a:schemeClr val="accent1"/>
-          </a:effectRef>
-          <a:fontRef idx="minor">
-            <a:schemeClr val="lt1"/>
-          </a:fontRef>
-        </p:style>
-      </p:sp>
-      <p:sp>
-        <p:nvSpPr>
-          <p:cNvPr id="5" name="Content Placeholder 4">
-            <a:extLst>
-              <a:ext uri="{FF2B5EF4-FFF2-40B4-BE49-F238E27FC236}">
-                <a16:creationId xmlns:a16="http://schemas.microsoft.com/office/drawing/2014/main" id="{3377A1C5-1A83-413D-B1FA-00E5AC9D9305}"/>
-              </a:ext>
-            </a:extLst>
-          </p:cNvPr>
-          <p:cNvSpPr>
             <a:spLocks noGrp="1"/>
           </p:cNvSpPr>
           <p:nvPr>
             <p:ph idx="1"/>
-            <p:custDataLst>
-              <p:tags r:id="rId2"/>
-            </p:custDataLst>
-          </p:nvPr>
-        </p:nvSpPr>
-        <p:spPr>
-          <a:xfrm>
-            <a:off x="581194" y="1896533"/>
-            <a:ext cx="6309003" cy="3962266"/>
-          </a:xfrm>
-        </p:spPr>
-        <p:txBody>
-          <a:bodyPr>
-            <a:normAutofit/>
-          </a:bodyPr>
+          </p:nvPr>
+        </p:nvSpPr>
+        <p:spPr/>
+        <p:txBody>
+          <a:bodyPr anchor="t"/>
           <a:lstStyle/>
           <a:p>
             <a:r>
-              <a:rPr lang="en-CA">
-                <a:solidFill>
-                  <a:schemeClr val="tx2"/>
-                </a:solidFill>
-              </a:rPr>
-              <a:t>Framework </a:t>
-            </a:r>
-            <a:r>
-              <a:rPr lang="fr-CA">
-                <a:solidFill>
-                  <a:schemeClr val="tx2"/>
-                </a:solidFill>
-              </a:rPr>
-              <a:t>utilisant</a:t>
-            </a:r>
-            <a:r>
-              <a:rPr lang="en-CA">
-                <a:solidFill>
-                  <a:schemeClr val="tx2"/>
-                </a:solidFill>
-              </a:rPr>
-              <a:t> Javascript</a:t>
-            </a:r>
-          </a:p>
-          <a:p>
-            <a:r>
-              <a:rPr lang="en-CA">
-                <a:solidFill>
-                  <a:schemeClr val="tx2"/>
-                </a:solidFill>
-              </a:rPr>
-              <a:t>Créé par Evan You.</a:t>
-            </a:r>
-          </a:p>
-          <a:p>
-            <a:r>
-              <a:rPr lang="en-CA">
-                <a:solidFill>
-                  <a:schemeClr val="tx2"/>
-                </a:solidFill>
-              </a:rPr>
-              <a:t>Rendu public en février 2014</a:t>
-            </a:r>
-          </a:p>
-          <a:p>
-            <a:r>
-              <a:rPr lang="en-CA">
-                <a:solidFill>
-                  <a:schemeClr val="tx2"/>
-                </a:solidFill>
-              </a:rPr>
-              <a:t>Utilisation principale</a:t>
-            </a:r>
-          </a:p>
-          <a:p>
-            <a:endParaRPr lang="fr-CA">
-              <a:solidFill>
-                <a:schemeClr val="tx2"/>
-              </a:solidFill>
-            </a:endParaRPr>
-          </a:p>
-        </p:txBody>
-      </p:sp>
-      <p:pic>
-        <p:nvPicPr>
-          <p:cNvPr id="1030" name="Picture 6" descr="Image result for Evan You">
-            <a:extLst>
-              <a:ext uri="{FF2B5EF4-FFF2-40B4-BE49-F238E27FC236}">
-                <a16:creationId xmlns:a16="http://schemas.microsoft.com/office/drawing/2014/main" id="{62CB4E49-F5F3-4F3C-8E0D-4172BA7B448B}"/>
-              </a:ext>
-            </a:extLst>
-          </p:cNvPr>
-          <p:cNvPicPr>
-            <a:picLocks noChangeAspect="1" noChangeArrowheads="1"/>
-          </p:cNvPicPr>
-          <p:nvPr>
-            <p:custDataLst>
-              <p:tags r:id="rId3"/>
-            </p:custDataLst>
-          </p:nvPr>
-        </p:nvPicPr>
-        <p:blipFill>
-          <a:blip r:embed="rId6">
-            <a:extLst>
-              <a:ext uri="{28A0092B-C50C-407E-A947-70E740481C1C}">
-                <a14:useLocalDpi xmlns:a14="http://schemas.microsoft.com/office/drawing/2010/main" val="0"/>
-              </a:ext>
-            </a:extLst>
-          </a:blip>
-          <a:stretch>
-            <a:fillRect/>
-          </a:stretch>
-        </p:blipFill>
-        <p:spPr bwMode="auto">
-          <a:xfrm>
-            <a:off x="7121654" y="2418112"/>
-            <a:ext cx="3822299" cy="3822299"/>
-          </a:xfrm>
-          <a:prstGeom prst="rect">
-            <a:avLst/>
-          </a:prstGeom>
-          <a:noFill/>
-          <a:extLst>
-            <a:ext uri="{909E8E84-426E-40DD-AFC4-6F175D3DCCD1}">
-              <a14:hiddenFill xmlns:a14="http://schemas.microsoft.com/office/drawing/2010/main">
-                <a:solidFill>
-                  <a:srgbClr val="FFFFFF"/>
-                </a:solidFill>
-              </a14:hiddenFill>
-            </a:ext>
-          </a:extLst>
-        </p:spPr>
-      </p:pic>
-      <p:pic>
-        <p:nvPicPr>
-          <p:cNvPr id="1028" name="Picture 4" descr="Image result for vue.js">
-            <a:extLst>
-              <a:ext uri="{FF2B5EF4-FFF2-40B4-BE49-F238E27FC236}">
-                <a16:creationId xmlns:a16="http://schemas.microsoft.com/office/drawing/2014/main" id="{2A4E9672-873D-4DF2-969A-6A8DFB91873E}"/>
-              </a:ext>
-            </a:extLst>
-          </p:cNvPr>
-          <p:cNvPicPr>
-            <a:picLocks noChangeAspect="1" noChangeArrowheads="1"/>
-          </p:cNvPicPr>
-          <p:nvPr>
-            <p:custDataLst>
-              <p:tags r:id="rId4"/>
-            </p:custDataLst>
-          </p:nvPr>
-        </p:nvPicPr>
-        <p:blipFill>
-          <a:blip r:embed="rId7">
-            <a:extLst>
-              <a:ext uri="{28A0092B-C50C-407E-A947-70E740481C1C}">
-                <a14:useLocalDpi xmlns:a14="http://schemas.microsoft.com/office/drawing/2010/main" val="0"/>
-              </a:ext>
-            </a:extLst>
-          </a:blip>
-          <a:stretch>
-            <a:fillRect/>
-          </a:stretch>
-        </p:blipFill>
-        <p:spPr bwMode="auto">
-          <a:xfrm>
-            <a:off x="9829800" y="457201"/>
-            <a:ext cx="2039658" cy="1769404"/>
-          </a:xfrm>
-          <a:prstGeom prst="rect">
-            <a:avLst/>
-          </a:prstGeom>
-          <a:noFill/>
-          <a:extLst>
-            <a:ext uri="{909E8E84-426E-40DD-AFC4-6F175D3DCCD1}">
-              <a14:hiddenFill xmlns:a14="http://schemas.microsoft.com/office/drawing/2010/main">
-                <a:solidFill>
-                  <a:srgbClr val="FFFFFF"/>
-                </a:solidFill>
-              </a14:hiddenFill>
-            </a:ext>
-          </a:extLst>
-        </p:spPr>
-      </p:pic>
+              <a:rPr lang="fr-CA" dirty="0"/>
+              <a:t>Vue.JS</a:t>
+            </a:r>
+          </a:p>
+          <a:p>
+            <a:r>
+              <a:rPr lang="fr-CA" dirty="0"/>
+              <a:t>Présentation de mon projet</a:t>
+            </a:r>
+          </a:p>
+          <a:p>
+            <a:r>
+              <a:rPr lang="fr-CA" dirty="0"/>
+              <a:t>Mes problèmes rencontrer, ainsi que les solutions</a:t>
+            </a:r>
+          </a:p>
+          <a:p>
+            <a:r>
+              <a:rPr lang="fr-CA" dirty="0"/>
+              <a:t>Présentation du code</a:t>
+            </a:r>
+          </a:p>
+          <a:p>
+            <a:r>
+              <a:rPr lang="fr-CA" dirty="0"/>
+              <a:t>Conclusion</a:t>
+            </a:r>
+          </a:p>
+        </p:txBody>
+      </p:sp>
     </p:spTree>
     <p:extLst>
       <p:ext uri="{BB962C8B-B14F-4D97-AF65-F5344CB8AC3E}">
-        <p14:creationId xmlns:p14="http://schemas.microsoft.com/office/powerpoint/2010/main" val="263784652"/>
+        <p14:creationId xmlns:p14="http://schemas.microsoft.com/office/powerpoint/2010/main" val="1091854058"/>
       </p:ext>
     </p:extLst>
   </p:cSld>
@@ -4636,12 +4350,12 @@
           <a:chExt cx="0" cy="0"/>
         </a:xfrm>
       </p:grpSpPr>
-      <p:sp>
-        <p:nvSpPr>
-          <p:cNvPr id="10" name="Rectangle 9">
+      <p:sp useBgFill="1">
+        <p:nvSpPr>
+          <p:cNvPr id="75" name="Rectangle 74">
             <a:extLst>
               <a:ext uri="{FF2B5EF4-FFF2-40B4-BE49-F238E27FC236}">
-                <a16:creationId xmlns:a16="http://schemas.microsoft.com/office/drawing/2014/main" id="{3CED7894-4F62-4A6C-8DB5-DB5BE08E9C03}"/>
+                <a16:creationId xmlns:a16="http://schemas.microsoft.com/office/drawing/2014/main" id="{504BED40-EAF7-4E55-AFF7-2CD840EBD3AA}"/>
               </a:ext>
               <a:ext uri="{C183D7F6-B498-43B3-948B-1728B52AA6E4}">
                 <adec:decorative xmlns:adec="http://schemas.microsoft.com/office/drawing/2017/decorative" val="1"/>
@@ -4652,9 +4366,6 @@
             <a:spLocks noGrp="1" noRot="1" noChangeAspect="1" noMove="1" noResize="1" noEditPoints="1" noAdjustHandles="1" noChangeArrowheads="1" noChangeShapeType="1" noTextEdit="1"/>
           </p:cNvSpPr>
           <p:nvPr>
-            <p:custDataLst>
-              <p:tags r:id="rId1"/>
-            </p:custDataLst>
             <p:extLst>
               <p:ext uri="{386F3935-93C4-4BCD-93E2-E3B085C9AB24}">
                 <p16:designElem xmlns:p16="http://schemas.microsoft.com/office/powerpoint/2015/main" val="1"/>
@@ -4670,11 +4381,118 @@
           <a:prstGeom prst="rect">
             <a:avLst/>
           </a:prstGeom>
+          <a:ln>
+            <a:noFill/>
+          </a:ln>
+        </p:spPr>
+        <p:style>
+          <a:lnRef idx="2">
+            <a:schemeClr val="accent1">
+              <a:shade val="50000"/>
+            </a:schemeClr>
+          </a:lnRef>
+          <a:fillRef idx="1">
+            <a:schemeClr val="accent1"/>
+          </a:fillRef>
+          <a:effectRef idx="0">
+            <a:schemeClr val="accent1"/>
+          </a:effectRef>
+          <a:fontRef idx="minor">
+            <a:schemeClr val="lt1"/>
+          </a:fontRef>
+        </p:style>
+        <p:txBody>
+          <a:bodyPr rtlCol="0" anchor="ctr"/>
+          <a:lstStyle/>
+          <a:p>
+            <a:pPr algn="ctr"/>
+            <a:endParaRPr lang="en-US"/>
+          </a:p>
+        </p:txBody>
+      </p:sp>
+      <p:sp>
+        <p:nvSpPr>
+          <p:cNvPr id="2" name="Title 1">
+            <a:extLst>
+              <a:ext uri="{FF2B5EF4-FFF2-40B4-BE49-F238E27FC236}">
+                <a16:creationId xmlns:a16="http://schemas.microsoft.com/office/drawing/2014/main" id="{5E562972-3449-42D1-8185-B4BEFD52AB44}"/>
+              </a:ext>
+            </a:extLst>
+          </p:cNvPr>
+          <p:cNvSpPr>
+            <a:spLocks noGrp="1"/>
+          </p:cNvSpPr>
+          <p:nvPr>
+            <p:ph type="title"/>
+            <p:custDataLst>
+              <p:tags r:id="rId1"/>
+            </p:custDataLst>
+          </p:nvPr>
+        </p:nvSpPr>
+        <p:spPr>
+          <a:xfrm>
+            <a:off x="581193" y="702156"/>
+            <a:ext cx="6540462" cy="1013800"/>
+          </a:xfrm>
+        </p:spPr>
+        <p:txBody>
+          <a:bodyPr>
+            <a:normAutofit/>
+          </a:bodyPr>
+          <a:lstStyle/>
+          <a:p>
+            <a:r>
+              <a:rPr lang="fr-CA">
+                <a:solidFill>
+                  <a:schemeClr val="tx2"/>
+                </a:solidFill>
+              </a:rPr>
+              <a:t>Qu’est-ce</a:t>
+            </a:r>
+            <a:r>
+              <a:rPr lang="en-US">
+                <a:solidFill>
+                  <a:schemeClr val="tx2"/>
+                </a:solidFill>
+              </a:rPr>
+              <a:t> que vue.js</a:t>
+            </a:r>
+          </a:p>
+        </p:txBody>
+      </p:sp>
+      <p:sp>
+        <p:nvSpPr>
+          <p:cNvPr id="77" name="Rectangle 76">
+            <a:extLst>
+              <a:ext uri="{FF2B5EF4-FFF2-40B4-BE49-F238E27FC236}">
+                <a16:creationId xmlns:a16="http://schemas.microsoft.com/office/drawing/2014/main" id="{F367CCF1-BB1E-41CF-8499-94A870C33EFA}"/>
+              </a:ext>
+              <a:ext uri="{C183D7F6-B498-43B3-948B-1728B52AA6E4}">
+                <adec:decorative xmlns:adec="http://schemas.microsoft.com/office/drawing/2017/decorative" val="1"/>
+              </a:ext>
+            </a:extLst>
+          </p:cNvPr>
+          <p:cNvSpPr>
+            <a:spLocks noGrp="1" noRot="1" noChangeAspect="1" noMove="1" noResize="1" noEditPoints="1" noAdjustHandles="1" noChangeArrowheads="1" noChangeShapeType="1" noTextEdit="1"/>
+          </p:cNvSpPr>
+          <p:nvPr>
+            <p:extLst>
+              <p:ext uri="{386F3935-93C4-4BCD-93E2-E3B085C9AB24}">
+                <p16:designElem xmlns:p16="http://schemas.microsoft.com/office/powerpoint/2015/main" val="1"/>
+              </p:ext>
+            </p:extLst>
+          </p:nvPr>
+        </p:nvSpPr>
+        <p:spPr>
+          <a:xfrm>
+            <a:off x="446534" y="457200"/>
+            <a:ext cx="6675120" cy="94997"/>
+          </a:xfrm>
+          <a:prstGeom prst="rect">
+            <a:avLst/>
+          </a:prstGeom>
           <a:solidFill>
-            <a:schemeClr val="bg1">
-              <a:lumMod val="75000"/>
-              <a:lumOff val="25000"/>
-            </a:schemeClr>
+            <a:schemeClr val="accent1"/>
           </a:solidFill>
           <a:ln>
             <a:noFill/>
@@ -4698,10 +4516,10 @@
       </p:sp>
       <p:sp>
         <p:nvSpPr>
-          <p:cNvPr id="2" name="Title 1">
+          <p:cNvPr id="5" name="Content Placeholder 4">
             <a:extLst>
               <a:ext uri="{FF2B5EF4-FFF2-40B4-BE49-F238E27FC236}">
-                <a16:creationId xmlns:a16="http://schemas.microsoft.com/office/drawing/2014/main" id="{90103066-8002-4B75-8A54-FB856457E55C}"/>
+                <a16:creationId xmlns:a16="http://schemas.microsoft.com/office/drawing/2014/main" id="{3377A1C5-1A83-413D-B1FA-00E5AC9D9305}"/>
               </a:ext>
             </a:extLst>
           </p:cNvPr>
@@ -4709,7 +4527,7 @@
             <a:spLocks noGrp="1"/>
           </p:cNvSpPr>
           <p:nvPr>
-            <p:ph type="title"/>
+            <p:ph idx="1"/>
             <p:custDataLst>
               <p:tags r:id="rId2"/>
             </p:custDataLst>
@@ -4717,8 +4535,8 @@
         </p:nvSpPr>
         <p:spPr>
           <a:xfrm>
-            <a:off x="609906" y="702155"/>
-            <a:ext cx="3568661" cy="1269713"/>
+            <a:off x="581194" y="1896533"/>
+            <a:ext cx="6309003" cy="3962266"/>
           </a:xfrm>
         </p:spPr>
         <p:txBody>
@@ -4728,213 +4546,173 @@
           <a:lstStyle/>
           <a:p>
             <a:r>
-              <a:rPr lang="en-CA" dirty="0"/>
-              <a:t>Mon </a:t>
-            </a:r>
-            <a:r>
-              <a:rPr lang="fr-CA" dirty="0"/>
-              <a:t>Projet</a:t>
-            </a:r>
-          </a:p>
-        </p:txBody>
-      </p:sp>
-      <p:sp>
-        <p:nvSpPr>
-          <p:cNvPr id="12" name="Rectangle 11">
+              <a:rPr lang="en-CA">
+                <a:solidFill>
+                  <a:schemeClr val="tx2"/>
+                </a:solidFill>
+              </a:rPr>
+              <a:t>Framework </a:t>
+            </a:r>
+            <a:r>
+              <a:rPr lang="fr-CA">
+                <a:solidFill>
+                  <a:schemeClr val="tx2"/>
+                </a:solidFill>
+              </a:rPr>
+              <a:t>utilisant</a:t>
+            </a:r>
+            <a:r>
+              <a:rPr lang="en-CA">
+                <a:solidFill>
+                  <a:schemeClr val="tx2"/>
+                </a:solidFill>
+              </a:rPr>
+              <a:t> Javascript</a:t>
+            </a:r>
+          </a:p>
+          <a:p>
+            <a:r>
+              <a:rPr lang="en-CA">
+                <a:solidFill>
+                  <a:schemeClr val="tx2"/>
+                </a:solidFill>
+              </a:rPr>
+              <a:t>Créé par Evan You.</a:t>
+            </a:r>
+          </a:p>
+          <a:p>
+            <a:r>
+              <a:rPr lang="en-CA">
+                <a:solidFill>
+                  <a:schemeClr val="tx2"/>
+                </a:solidFill>
+              </a:rPr>
+              <a:t>Rendu public en février 2014</a:t>
+            </a:r>
+          </a:p>
+          <a:p>
+            <a:r>
+              <a:rPr lang="en-CA">
+                <a:solidFill>
+                  <a:schemeClr val="tx2"/>
+                </a:solidFill>
+              </a:rPr>
+              <a:t>Utilisation principale</a:t>
+            </a:r>
+          </a:p>
+          <a:p>
+            <a:endParaRPr lang="fr-CA">
+              <a:solidFill>
+                <a:schemeClr val="tx2"/>
+              </a:solidFill>
+            </a:endParaRPr>
+          </a:p>
+        </p:txBody>
+      </p:sp>
+      <p:pic>
+        <p:nvPicPr>
+          <p:cNvPr id="1030" name="Picture 6" descr="Image result for Evan You">
             <a:extLst>
               <a:ext uri="{FF2B5EF4-FFF2-40B4-BE49-F238E27FC236}">
-                <a16:creationId xmlns:a16="http://schemas.microsoft.com/office/drawing/2014/main" id="{E536F3B4-50F6-4C52-8F76-4EB1214719DC}"/>
-              </a:ext>
-              <a:ext uri="{C183D7F6-B498-43B3-948B-1728B52AA6E4}">
-                <adec:decorative xmlns:adec="http://schemas.microsoft.com/office/drawing/2017/decorative" val="1"/>
+                <a16:creationId xmlns:a16="http://schemas.microsoft.com/office/drawing/2014/main" id="{62CB4E49-F5F3-4F3C-8E0D-4172BA7B448B}"/>
               </a:ext>
             </a:extLst>
           </p:cNvPr>
-          <p:cNvSpPr>
-            <a:spLocks noGrp="1" noRot="1" noChangeAspect="1" noMove="1" noResize="1" noEditPoints="1" noAdjustHandles="1" noChangeArrowheads="1" noChangeShapeType="1" noTextEdit="1"/>
-          </p:cNvSpPr>
+          <p:cNvPicPr>
+            <a:picLocks noChangeAspect="1" noChangeArrowheads="1"/>
+          </p:cNvPicPr>
           <p:nvPr>
             <p:custDataLst>
               <p:tags r:id="rId3"/>
             </p:custDataLst>
-            <p:extLst>
-              <p:ext uri="{386F3935-93C4-4BCD-93E2-E3B085C9AB24}">
-                <p16:designElem xmlns:p16="http://schemas.microsoft.com/office/powerpoint/2015/main" val="1"/>
-              </p:ext>
-            </p:extLst>
-          </p:nvPr>
-        </p:nvSpPr>
-        <p:spPr>
-          <a:xfrm>
-            <a:off x="638620" y="457200"/>
-            <a:ext cx="3511233" cy="91439"/>
-          </a:xfrm>
-          <a:prstGeom prst="rect">
-            <a:avLst/>
-          </a:prstGeom>
-          <a:solidFill>
-            <a:schemeClr val="accent1"/>
-          </a:solidFill>
-          <a:ln>
-            <a:noFill/>
-          </a:ln>
-          <a:effectLst/>
-        </p:spPr>
-        <p:style>
-          <a:lnRef idx="1">
-            <a:schemeClr val="accent1"/>
-          </a:lnRef>
-          <a:fillRef idx="3">
-            <a:schemeClr val="accent1"/>
-          </a:fillRef>
-          <a:effectRef idx="2">
-            <a:schemeClr val="accent1"/>
-          </a:effectRef>
-          <a:fontRef idx="minor">
-            <a:schemeClr val="lt1"/>
-          </a:fontRef>
-        </p:style>
-      </p:sp>
-      <p:sp>
-        <p:nvSpPr>
-          <p:cNvPr id="3" name="Content Placeholder 2">
-            <a:extLst>
-              <a:ext uri="{FF2B5EF4-FFF2-40B4-BE49-F238E27FC236}">
-                <a16:creationId xmlns:a16="http://schemas.microsoft.com/office/drawing/2014/main" id="{DD0BB091-45A3-41BB-9CA4-93D4E64B0A75}"/>
-              </a:ext>
-            </a:extLst>
-          </p:cNvPr>
-          <p:cNvSpPr>
-            <a:spLocks noGrp="1"/>
-          </p:cNvSpPr>
-          <p:nvPr>
-            <p:ph idx="1"/>
-            <p:custDataLst>
-              <p:tags r:id="rId4"/>
-            </p:custDataLst>
-          </p:nvPr>
-        </p:nvSpPr>
-        <p:spPr>
-          <a:xfrm>
-            <a:off x="609906" y="2340864"/>
-            <a:ext cx="3712712" cy="3634486"/>
-          </a:xfrm>
-        </p:spPr>
-        <p:txBody>
-          <a:bodyPr>
-            <a:normAutofit/>
-          </a:bodyPr>
-          <a:lstStyle/>
-          <a:p>
-            <a:r>
-              <a:rPr lang="en-CA" dirty="0"/>
-              <a:t>But de </a:t>
-            </a:r>
-            <a:r>
-              <a:rPr lang="en-CA" dirty="0" err="1"/>
-              <a:t>celui</a:t>
-            </a:r>
-            <a:r>
-              <a:rPr lang="en-CA" dirty="0"/>
-              <a:t>-ci</a:t>
-            </a:r>
-          </a:p>
-          <a:p>
-            <a:r>
-              <a:rPr lang="fr-CA" dirty="0"/>
-              <a:t>Démonstration des fonctionnalités</a:t>
-            </a:r>
-          </a:p>
-          <a:p>
-            <a:pPr lvl="1"/>
-            <a:r>
-              <a:rPr lang="fr-CA" dirty="0"/>
-              <a:t>Carrousel d’image utilisant </a:t>
-            </a:r>
-            <a:r>
-              <a:rPr lang="fr-CA" dirty="0" err="1"/>
-              <a:t>Vue.Js</a:t>
-            </a:r>
-            <a:endParaRPr lang="fr-CA" dirty="0"/>
-          </a:p>
-          <a:p>
-            <a:pPr lvl="1"/>
-            <a:r>
-              <a:rPr lang="fr-CA" dirty="0"/>
-              <a:t>Affichage d’une liste de conte,</a:t>
-            </a:r>
-          </a:p>
-          <a:p>
-            <a:pPr lvl="2"/>
-            <a:r>
-              <a:rPr lang="fr-CA" dirty="0"/>
-              <a:t>Recherche dans celle-ci</a:t>
-            </a:r>
-          </a:p>
-          <a:p>
-            <a:pPr lvl="2"/>
-            <a:r>
-              <a:rPr lang="fr-CA" dirty="0"/>
-              <a:t>Affichage de résumer complet</a:t>
-            </a:r>
-          </a:p>
-          <a:p>
-            <a:pPr lvl="1"/>
-            <a:r>
-              <a:rPr lang="fr-CA" dirty="0"/>
-              <a:t>Divers fonctionnalités pour divertir</a:t>
-            </a:r>
-          </a:p>
-          <a:p>
-            <a:pPr lvl="1"/>
-            <a:endParaRPr lang="fr-CA" dirty="0"/>
-          </a:p>
-          <a:p>
-            <a:pPr marL="630000" lvl="2" indent="0">
-              <a:buNone/>
-            </a:pPr>
-            <a:endParaRPr lang="fr-CA" dirty="0"/>
-          </a:p>
-        </p:txBody>
-      </p:sp>
-      <p:pic>
-        <p:nvPicPr>
-          <p:cNvPr id="5" name="Picture 4" descr="Text&#10;&#10;Description automatically generated">
-            <a:extLst>
-              <a:ext uri="{FF2B5EF4-FFF2-40B4-BE49-F238E27FC236}">
-                <a16:creationId xmlns:a16="http://schemas.microsoft.com/office/drawing/2014/main" id="{B21343D4-BFFB-4F98-8861-8C9C19BBCBB8}"/>
-              </a:ext>
-            </a:extLst>
-          </p:cNvPr>
-          <p:cNvPicPr>
-            <a:picLocks noChangeAspect="1"/>
-          </p:cNvPicPr>
-          <p:nvPr>
-            <p:custDataLst>
-              <p:tags r:id="rId5"/>
-            </p:custDataLst>
           </p:nvPr>
         </p:nvPicPr>
         <p:blipFill>
-          <a:blip r:embed="rId7"/>
+          <a:blip r:embed="rId6">
+            <a:extLst>
+              <a:ext uri="{28A0092B-C50C-407E-A947-70E740481C1C}">
+                <a14:useLocalDpi xmlns:a14="http://schemas.microsoft.com/office/drawing/2010/main" val="0"/>
+              </a:ext>
+            </a:extLst>
+          </a:blip>
           <a:stretch>
             <a:fillRect/>
           </a:stretch>
         </p:blipFill>
-        <p:spPr>
-          <a:xfrm>
-            <a:off x="5084219" y="702156"/>
-            <a:ext cx="5875425" cy="5273194"/>
+        <p:spPr bwMode="auto">
+          <a:xfrm>
+            <a:off x="7121654" y="2418112"/>
+            <a:ext cx="3822299" cy="3822299"/>
           </a:xfrm>
           <a:prstGeom prst="rect">
             <a:avLst/>
           </a:prstGeom>
+          <a:noFill/>
+          <a:extLst>
+            <a:ext uri="{909E8E84-426E-40DD-AFC4-6F175D3DCCD1}">
+              <a14:hiddenFill xmlns:a14="http://schemas.microsoft.com/office/drawing/2010/main">
+                <a:solidFill>
+                  <a:srgbClr val="FFFFFF"/>
+                </a:solidFill>
+              </a14:hiddenFill>
+            </a:ext>
+          </a:extLst>
+        </p:spPr>
+      </p:pic>
+      <p:pic>
+        <p:nvPicPr>
+          <p:cNvPr id="1028" name="Picture 4" descr="Image result for vue.js">
+            <a:extLst>
+              <a:ext uri="{FF2B5EF4-FFF2-40B4-BE49-F238E27FC236}">
+                <a16:creationId xmlns:a16="http://schemas.microsoft.com/office/drawing/2014/main" id="{2A4E9672-873D-4DF2-969A-6A8DFB91873E}"/>
+              </a:ext>
+            </a:extLst>
+          </p:cNvPr>
+          <p:cNvPicPr>
+            <a:picLocks noChangeAspect="1" noChangeArrowheads="1"/>
+          </p:cNvPicPr>
+          <p:nvPr>
+            <p:custDataLst>
+              <p:tags r:id="rId4"/>
+            </p:custDataLst>
+          </p:nvPr>
+        </p:nvPicPr>
+        <p:blipFill>
+          <a:blip r:embed="rId7">
+            <a:extLst>
+              <a:ext uri="{28A0092B-C50C-407E-A947-70E740481C1C}">
+                <a14:useLocalDpi xmlns:a14="http://schemas.microsoft.com/office/drawing/2010/main" val="0"/>
+              </a:ext>
+            </a:extLst>
+          </a:blip>
+          <a:stretch>
+            <a:fillRect/>
+          </a:stretch>
+        </p:blipFill>
+        <p:spPr bwMode="auto">
+          <a:xfrm>
+            <a:off x="9829800" y="457201"/>
+            <a:ext cx="2039658" cy="1769404"/>
+          </a:xfrm>
+          <a:prstGeom prst="rect">
+            <a:avLst/>
+          </a:prstGeom>
+          <a:noFill/>
+          <a:extLst>
+            <a:ext uri="{909E8E84-426E-40DD-AFC4-6F175D3DCCD1}">
+              <a14:hiddenFill xmlns:a14="http://schemas.microsoft.com/office/drawing/2010/main">
+                <a:solidFill>
+                  <a:srgbClr val="FFFFFF"/>
+                </a:solidFill>
+              </a14:hiddenFill>
+            </a:ext>
+          </a:extLst>
         </p:spPr>
       </p:pic>
     </p:spTree>
     <p:extLst>
       <p:ext uri="{BB962C8B-B14F-4D97-AF65-F5344CB8AC3E}">
-        <p14:creationId xmlns:p14="http://schemas.microsoft.com/office/powerpoint/2010/main" val="3880533951"/>
+        <p14:creationId xmlns:p14="http://schemas.microsoft.com/office/powerpoint/2010/main" val="263784652"/>
       </p:ext>
     </p:extLst>
   </p:cSld>
@@ -4971,6 +4749,339 @@
       </p:grpSpPr>
       <p:sp>
         <p:nvSpPr>
+          <p:cNvPr id="10" name="Rectangle 9">
+            <a:extLst>
+              <a:ext uri="{FF2B5EF4-FFF2-40B4-BE49-F238E27FC236}">
+                <a16:creationId xmlns:a16="http://schemas.microsoft.com/office/drawing/2014/main" id="{3CED7894-4F62-4A6C-8DB5-DB5BE08E9C03}"/>
+              </a:ext>
+              <a:ext uri="{C183D7F6-B498-43B3-948B-1728B52AA6E4}">
+                <adec:decorative xmlns:adec="http://schemas.microsoft.com/office/drawing/2017/decorative" val="1"/>
+              </a:ext>
+            </a:extLst>
+          </p:cNvPr>
+          <p:cNvSpPr>
+            <a:spLocks noGrp="1" noRot="1" noChangeAspect="1" noMove="1" noResize="1" noEditPoints="1" noAdjustHandles="1" noChangeArrowheads="1" noChangeShapeType="1" noTextEdit="1"/>
+          </p:cNvSpPr>
+          <p:nvPr>
+            <p:custDataLst>
+              <p:tags r:id="rId1"/>
+            </p:custDataLst>
+            <p:extLst>
+              <p:ext uri="{386F3935-93C4-4BCD-93E2-E3B085C9AB24}">
+                <p16:designElem xmlns:p16="http://schemas.microsoft.com/office/powerpoint/2015/main" val="1"/>
+              </p:ext>
+            </p:extLst>
+          </p:nvPr>
+        </p:nvSpPr>
+        <p:spPr>
+          <a:xfrm>
+            <a:off x="0" y="0"/>
+            <a:ext cx="12192000" cy="6858000"/>
+          </a:xfrm>
+          <a:prstGeom prst="rect">
+            <a:avLst/>
+          </a:prstGeom>
+          <a:solidFill>
+            <a:schemeClr val="bg1">
+              <a:lumMod val="75000"/>
+              <a:lumOff val="25000"/>
+            </a:schemeClr>
+          </a:solidFill>
+          <a:ln>
+            <a:noFill/>
+          </a:ln>
+          <a:effectLst/>
+        </p:spPr>
+        <p:style>
+          <a:lnRef idx="1">
+            <a:schemeClr val="accent1"/>
+          </a:lnRef>
+          <a:fillRef idx="3">
+            <a:schemeClr val="accent1"/>
+          </a:fillRef>
+          <a:effectRef idx="2">
+            <a:schemeClr val="accent1"/>
+          </a:effectRef>
+          <a:fontRef idx="minor">
+            <a:schemeClr val="lt1"/>
+          </a:fontRef>
+        </p:style>
+      </p:sp>
+      <p:sp>
+        <p:nvSpPr>
+          <p:cNvPr id="2" name="Title 1">
+            <a:extLst>
+              <a:ext uri="{FF2B5EF4-FFF2-40B4-BE49-F238E27FC236}">
+                <a16:creationId xmlns:a16="http://schemas.microsoft.com/office/drawing/2014/main" id="{90103066-8002-4B75-8A54-FB856457E55C}"/>
+              </a:ext>
+            </a:extLst>
+          </p:cNvPr>
+          <p:cNvSpPr>
+            <a:spLocks noGrp="1"/>
+          </p:cNvSpPr>
+          <p:nvPr>
+            <p:ph type="title"/>
+            <p:custDataLst>
+              <p:tags r:id="rId2"/>
+            </p:custDataLst>
+          </p:nvPr>
+        </p:nvSpPr>
+        <p:spPr>
+          <a:xfrm>
+            <a:off x="609906" y="702155"/>
+            <a:ext cx="3568661" cy="1269713"/>
+          </a:xfrm>
+        </p:spPr>
+        <p:txBody>
+          <a:bodyPr>
+            <a:normAutofit/>
+          </a:bodyPr>
+          <a:lstStyle/>
+          <a:p>
+            <a:r>
+              <a:rPr lang="en-CA" dirty="0"/>
+              <a:t>Mon </a:t>
+            </a:r>
+            <a:r>
+              <a:rPr lang="fr-CA" dirty="0"/>
+              <a:t>Projet</a:t>
+            </a:r>
+          </a:p>
+        </p:txBody>
+      </p:sp>
+      <p:sp>
+        <p:nvSpPr>
+          <p:cNvPr id="12" name="Rectangle 11">
+            <a:extLst>
+              <a:ext uri="{FF2B5EF4-FFF2-40B4-BE49-F238E27FC236}">
+                <a16:creationId xmlns:a16="http://schemas.microsoft.com/office/drawing/2014/main" id="{E536F3B4-50F6-4C52-8F76-4EB1214719DC}"/>
+              </a:ext>
+              <a:ext uri="{C183D7F6-B498-43B3-948B-1728B52AA6E4}">
+                <adec:decorative xmlns:adec="http://schemas.microsoft.com/office/drawing/2017/decorative" val="1"/>
+              </a:ext>
+            </a:extLst>
+          </p:cNvPr>
+          <p:cNvSpPr>
+            <a:spLocks noGrp="1" noRot="1" noChangeAspect="1" noMove="1" noResize="1" noEditPoints="1" noAdjustHandles="1" noChangeArrowheads="1" noChangeShapeType="1" noTextEdit="1"/>
+          </p:cNvSpPr>
+          <p:nvPr>
+            <p:custDataLst>
+              <p:tags r:id="rId3"/>
+            </p:custDataLst>
+            <p:extLst>
+              <p:ext uri="{386F3935-93C4-4BCD-93E2-E3B085C9AB24}">
+                <p16:designElem xmlns:p16="http://schemas.microsoft.com/office/powerpoint/2015/main" val="1"/>
+              </p:ext>
+            </p:extLst>
+          </p:nvPr>
+        </p:nvSpPr>
+        <p:spPr>
+          <a:xfrm>
+            <a:off x="638620" y="457200"/>
+            <a:ext cx="3511233" cy="91439"/>
+          </a:xfrm>
+          <a:prstGeom prst="rect">
+            <a:avLst/>
+          </a:prstGeom>
+          <a:solidFill>
+            <a:schemeClr val="accent1"/>
+          </a:solidFill>
+          <a:ln>
+            <a:noFill/>
+          </a:ln>
+          <a:effectLst/>
+        </p:spPr>
+        <p:style>
+          <a:lnRef idx="1">
+            <a:schemeClr val="accent1"/>
+          </a:lnRef>
+          <a:fillRef idx="3">
+            <a:schemeClr val="accent1"/>
+          </a:fillRef>
+          <a:effectRef idx="2">
+            <a:schemeClr val="accent1"/>
+          </a:effectRef>
+          <a:fontRef idx="minor">
+            <a:schemeClr val="lt1"/>
+          </a:fontRef>
+        </p:style>
+      </p:sp>
+      <p:sp>
+        <p:nvSpPr>
+          <p:cNvPr id="3" name="Content Placeholder 2">
+            <a:extLst>
+              <a:ext uri="{FF2B5EF4-FFF2-40B4-BE49-F238E27FC236}">
+                <a16:creationId xmlns:a16="http://schemas.microsoft.com/office/drawing/2014/main" id="{DD0BB091-45A3-41BB-9CA4-93D4E64B0A75}"/>
+              </a:ext>
+            </a:extLst>
+          </p:cNvPr>
+          <p:cNvSpPr>
+            <a:spLocks noGrp="1"/>
+          </p:cNvSpPr>
+          <p:nvPr>
+            <p:ph idx="1"/>
+            <p:custDataLst>
+              <p:tags r:id="rId4"/>
+            </p:custDataLst>
+          </p:nvPr>
+        </p:nvSpPr>
+        <p:spPr>
+          <a:xfrm>
+            <a:off x="609906" y="2340864"/>
+            <a:ext cx="3712712" cy="3634486"/>
+          </a:xfrm>
+        </p:spPr>
+        <p:txBody>
+          <a:bodyPr>
+            <a:normAutofit/>
+          </a:bodyPr>
+          <a:lstStyle/>
+          <a:p>
+            <a:r>
+              <a:rPr lang="en-CA" dirty="0"/>
+              <a:t>But de </a:t>
+            </a:r>
+            <a:r>
+              <a:rPr lang="en-CA" dirty="0" err="1"/>
+              <a:t>celui</a:t>
+            </a:r>
+            <a:r>
+              <a:rPr lang="en-CA" dirty="0"/>
+              <a:t>-ci</a:t>
+            </a:r>
+          </a:p>
+          <a:p>
+            <a:r>
+              <a:rPr lang="fr-CA" dirty="0"/>
+              <a:t>Démonstration des fonctionnalités</a:t>
+            </a:r>
+          </a:p>
+          <a:p>
+            <a:pPr lvl="1"/>
+            <a:r>
+              <a:rPr lang="fr-CA" dirty="0"/>
+              <a:t>Carrousel d’image utilisant </a:t>
+            </a:r>
+            <a:r>
+              <a:rPr lang="fr-CA" dirty="0" err="1"/>
+              <a:t>Vue.Js</a:t>
+            </a:r>
+            <a:endParaRPr lang="fr-CA" dirty="0"/>
+          </a:p>
+          <a:p>
+            <a:pPr lvl="1"/>
+            <a:r>
+              <a:rPr lang="fr-CA" dirty="0"/>
+              <a:t>Affichage d’une liste de conte,</a:t>
+            </a:r>
+          </a:p>
+          <a:p>
+            <a:pPr lvl="2"/>
+            <a:r>
+              <a:rPr lang="fr-CA" dirty="0"/>
+              <a:t>Recherche dans celle-ci</a:t>
+            </a:r>
+          </a:p>
+          <a:p>
+            <a:pPr lvl="2"/>
+            <a:r>
+              <a:rPr lang="fr-CA" dirty="0"/>
+              <a:t>Affichage de résumer complet</a:t>
+            </a:r>
+          </a:p>
+          <a:p>
+            <a:pPr lvl="1"/>
+            <a:r>
+              <a:rPr lang="fr-CA" dirty="0"/>
+              <a:t>Divers fonctionnalités pour divertir</a:t>
+            </a:r>
+          </a:p>
+          <a:p>
+            <a:pPr lvl="1"/>
+            <a:endParaRPr lang="fr-CA" dirty="0"/>
+          </a:p>
+          <a:p>
+            <a:pPr marL="630000" lvl="2" indent="0">
+              <a:buNone/>
+            </a:pPr>
+            <a:endParaRPr lang="fr-CA" dirty="0"/>
+          </a:p>
+        </p:txBody>
+      </p:sp>
+      <p:pic>
+        <p:nvPicPr>
+          <p:cNvPr id="5" name="Picture 4" descr="Text&#10;&#10;Description automatically generated">
+            <a:extLst>
+              <a:ext uri="{FF2B5EF4-FFF2-40B4-BE49-F238E27FC236}">
+                <a16:creationId xmlns:a16="http://schemas.microsoft.com/office/drawing/2014/main" id="{B21343D4-BFFB-4F98-8861-8C9C19BBCBB8}"/>
+              </a:ext>
+            </a:extLst>
+          </p:cNvPr>
+          <p:cNvPicPr>
+            <a:picLocks noChangeAspect="1"/>
+          </p:cNvPicPr>
+          <p:nvPr>
+            <p:custDataLst>
+              <p:tags r:id="rId5"/>
+            </p:custDataLst>
+          </p:nvPr>
+        </p:nvPicPr>
+        <p:blipFill>
+          <a:blip r:embed="rId7"/>
+          <a:stretch>
+            <a:fillRect/>
+          </a:stretch>
+        </p:blipFill>
+        <p:spPr>
+          <a:xfrm>
+            <a:off x="5084219" y="702156"/>
+            <a:ext cx="5875425" cy="5273194"/>
+          </a:xfrm>
+          <a:prstGeom prst="rect">
+            <a:avLst/>
+          </a:prstGeom>
+        </p:spPr>
+      </p:pic>
+    </p:spTree>
+    <p:extLst>
+      <p:ext uri="{BB962C8B-B14F-4D97-AF65-F5344CB8AC3E}">
+        <p14:creationId xmlns:p14="http://schemas.microsoft.com/office/powerpoint/2010/main" val="3880533951"/>
+      </p:ext>
+    </p:extLst>
+  </p:cSld>
+  <p:clrMapOvr>
+    <a:masterClrMapping/>
+  </p:clrMapOvr>
+</p:sld>
+</file>
+
+<file path=ppt/slides/slide5.xml><?xml version="1.0" encoding="utf-8"?>
+<p:sld xmlns:a="http://schemas.openxmlformats.org/drawingml/2006/main" xmlns:r="http://schemas.openxmlformats.org/officeDocument/2006/relationships" xmlns:p="http://schemas.openxmlformats.org/presentationml/2006/main">
+  <p:cSld>
+    <p:bg>
+      <p:bgPr>
+        <a:solidFill>
+          <a:schemeClr val="bg1"/>
+        </a:solidFill>
+        <a:effectLst/>
+      </p:bgPr>
+    </p:bg>
+    <p:spTree>
+      <p:nvGrpSpPr>
+        <p:cNvPr id="1" name=""/>
+        <p:cNvGrpSpPr/>
+        <p:nvPr/>
+      </p:nvGrpSpPr>
+      <p:grpSpPr>
+        <a:xfrm>
+          <a:off x="0" y="0"/>
+          <a:ext cx="0" cy="0"/>
+          <a:chOff x="0" y="0"/>
+          <a:chExt cx="0" cy="0"/>
+        </a:xfrm>
+      </p:grpSpPr>
+      <p:sp>
+        <p:nvSpPr>
           <p:cNvPr id="71" name="Rectangle 70">
             <a:extLst>
               <a:ext uri="{FF2B5EF4-FFF2-40B4-BE49-F238E27FC236}">
@@ -5243,7 +5354,7 @@
 </p:sld>
 </file>
 
-<file path=ppt/slides/slide5.xml><?xml version="1.0" encoding="utf-8"?>
+<file path=ppt/slides/slide6.xml><?xml version="1.0" encoding="utf-8"?>
 <p:sld xmlns:a="http://schemas.openxmlformats.org/drawingml/2006/main" xmlns:r="http://schemas.openxmlformats.org/officeDocument/2006/relationships" xmlns:p="http://schemas.openxmlformats.org/presentationml/2006/main">
   <p:cSld>
     <p:bg>
@@ -5626,7 +5737,7 @@
 </p:sld>
 </file>
 
-<file path=ppt/slides/slide6.xml><?xml version="1.0" encoding="utf-8"?>
+<file path=ppt/slides/slide7.xml><?xml version="1.0" encoding="utf-8"?>
 <p:sld xmlns:a="http://schemas.openxmlformats.org/drawingml/2006/main" xmlns:r="http://schemas.openxmlformats.org/officeDocument/2006/relationships" xmlns:p="http://schemas.openxmlformats.org/presentationml/2006/main">
   <p:cSld>
     <p:bg>
@@ -6560,24 +6671,6 @@
 </file>
 
 <file path=customXml/item1.xml><?xml version="1.0" encoding="utf-8"?>
-<p:properties xmlns:p="http://schemas.microsoft.com/office/2006/metadata/properties" xmlns:xsi="http://www.w3.org/2001/XMLSchema-instance" xmlns:pc="http://schemas.microsoft.com/office/infopath/2007/PartnerControls">
-  <documentManagement>
-    <Status xmlns="71af3243-3dd4-4a8d-8c0d-dd76da1f02a5">Not started</Status>
-    <MediaServiceKeyPoints xmlns="71af3243-3dd4-4a8d-8c0d-dd76da1f02a5" xsi:nil="true"/>
-  </documentManagement>
-</p:properties>
-</file>
-
-<file path=customXml/item2.xml><?xml version="1.0" encoding="utf-8"?>
-<?mso-contentType ?>
-<FormTemplates xmlns="http://schemas.microsoft.com/sharepoint/v3/contenttype/forms">
-  <Display>DocumentLibraryForm</Display>
-  <Edit>DocumentLibraryForm</Edit>
-  <New>DocumentLibraryForm</New>
-</FormTemplates>
-</file>
-
-<file path=customXml/item3.xml><?xml version="1.0" encoding="utf-8"?>
 <ct:contentTypeSchema xmlns:ct="http://schemas.microsoft.com/office/2006/metadata/contentType" xmlns:ma="http://schemas.microsoft.com/office/2006/metadata/properties/metaAttributes" ct:_="" ma:_="" ma:contentTypeName="Document" ma:contentTypeID="0x01010079F111ED35F8CC479449609E8A0923A6" ma:contentTypeVersion="12" ma:contentTypeDescription="Create a new document." ma:contentTypeScope="" ma:versionID="a410dd7f93c95333ffa1b60ed6adedd1">
   <xsd:schema xmlns:xsd="http://www.w3.org/2001/XMLSchema" xmlns:xs="http://www.w3.org/2001/XMLSchema" xmlns:p="http://schemas.microsoft.com/office/2006/metadata/properties" xmlns:ns2="71af3243-3dd4-4a8d-8c0d-dd76da1f02a5" xmlns:ns3="16c05727-aa75-4e4a-9b5f-8a80a1165891" targetNamespace="http://schemas.microsoft.com/office/2006/metadata/properties" ma:root="true" ma:fieldsID="a936d9baba76aa3866493feff160faab" ns2:_="" ns3:_="">
     <xsd:import namespace="71af3243-3dd4-4a8d-8c0d-dd76da1f02a5"/>
@@ -6798,25 +6891,25 @@
 </ct:contentTypeSchema>
 </file>
 
-<file path=customXml/itemProps1.xml><?xml version="1.0" encoding="utf-8"?>
-<ds:datastoreItem xmlns:ds="http://schemas.openxmlformats.org/officeDocument/2006/customXml" ds:itemID="{8D289AE2-D2AE-49D1-AFAC-3A79F6794255}">
-  <ds:schemaRefs>
-    <ds:schemaRef ds:uri="http://schemas.microsoft.com/office/2006/metadata/properties"/>
-    <ds:schemaRef ds:uri="http://schemas.microsoft.com/office/infopath/2007/PartnerControls"/>
-    <ds:schemaRef ds:uri="71af3243-3dd4-4a8d-8c0d-dd76da1f02a5"/>
-  </ds:schemaRefs>
-</ds:datastoreItem>
+<file path=customXml/item2.xml><?xml version="1.0" encoding="utf-8"?>
+<?mso-contentType ?>
+<FormTemplates xmlns="http://schemas.microsoft.com/sharepoint/v3/contenttype/forms">
+  <Display>DocumentLibraryForm</Display>
+  <Edit>DocumentLibraryForm</Edit>
+  <New>DocumentLibraryForm</New>
+</FormTemplates>
 </file>
 
-<file path=customXml/itemProps2.xml><?xml version="1.0" encoding="utf-8"?>
-<ds:datastoreItem xmlns:ds="http://schemas.openxmlformats.org/officeDocument/2006/customXml" ds:itemID="{927BD4C1-B6B1-4715-ABF9-E660A51A4EA0}">
-  <ds:schemaRefs>
-    <ds:schemaRef ds:uri="http://schemas.microsoft.com/sharepoint/v3/contenttype/forms"/>
-  </ds:schemaRefs>
-</ds:datastoreItem>
+<file path=customXml/item3.xml><?xml version="1.0" encoding="utf-8"?>
+<p:properties xmlns:p="http://schemas.microsoft.com/office/2006/metadata/properties" xmlns:xsi="http://www.w3.org/2001/XMLSchema-instance" xmlns:pc="http://schemas.microsoft.com/office/infopath/2007/PartnerControls">
+  <documentManagement>
+    <Status xmlns="71af3243-3dd4-4a8d-8c0d-dd76da1f02a5">Not started</Status>
+    <MediaServiceKeyPoints xmlns="71af3243-3dd4-4a8d-8c0d-dd76da1f02a5" xsi:nil="true"/>
+  </documentManagement>
+</p:properties>
 </file>
 
-<file path=customXml/itemProps3.xml><?xml version="1.0" encoding="utf-8"?>
+<file path=customXml/itemProps1.xml><?xml version="1.0" encoding="utf-8"?>
 <ds:datastoreItem xmlns:ds="http://schemas.openxmlformats.org/officeDocument/2006/customXml" ds:itemID="{41E7CA09-9778-4414-AE97-8064B12DA30E}">
   <ds:schemaRefs>
     <ds:schemaRef ds:uri="http://schemas.microsoft.com/office/2006/metadata/contentType"/>
@@ -6833,4 +6926,22 @@
     <ds:schemaRef ds:uri="http://schemas.microsoft.com/internal/obd"/>
   </ds:schemaRefs>
 </ds:datastoreItem>
+</file>
+
+<file path=customXml/itemProps2.xml><?xml version="1.0" encoding="utf-8"?>
+<ds:datastoreItem xmlns:ds="http://schemas.openxmlformats.org/officeDocument/2006/customXml" ds:itemID="{927BD4C1-B6B1-4715-ABF9-E660A51A4EA0}">
+  <ds:schemaRefs>
+    <ds:schemaRef ds:uri="http://schemas.microsoft.com/sharepoint/v3/contenttype/forms"/>
+  </ds:schemaRefs>
+</ds:datastoreItem>
+</file>
+
+<file path=customXml/itemProps3.xml><?xml version="1.0" encoding="utf-8"?>
+<ds:datastoreItem xmlns:ds="http://schemas.openxmlformats.org/officeDocument/2006/customXml" ds:itemID="{8D289AE2-D2AE-49D1-AFAC-3A79F6794255}">
+  <ds:schemaRefs>
+    <ds:schemaRef ds:uri="http://schemas.microsoft.com/office/2006/metadata/properties"/>
+    <ds:schemaRef ds:uri="http://schemas.microsoft.com/office/infopath/2007/PartnerControls"/>
+    <ds:schemaRef ds:uri="71af3243-3dd4-4a8d-8c0d-dd76da1f02a5"/>
+  </ds:schemaRefs>
+</ds:datastoreItem>
 </file>